--- a/Folien - Trainerleitfaden/Einheit 12 JS Trainerfolien.pptx
+++ b/Folien - Trainerleitfaden/Einheit 12 JS Trainerfolien.pptx
@@ -252,7 +252,7 @@
               <a:rPr lang="de-AT" smtClean="0">
                 <a:latin typeface="Arial" panose="020B0604020202020204" pitchFamily="34" charset="0"/>
               </a:rPr>
-              <a:t>17.05.2021</a:t>
+              <a:t>18.05.2021</a:t>
             </a:fld>
             <a:endParaRPr lang="de-AT" dirty="0">
               <a:latin typeface="Arial" panose="020B0604020202020204" pitchFamily="34" charset="0"/>
@@ -939,18 +939,18 @@
           </a:bodyPr>
           <a:lstStyle>
             <a:lvl1pPr marL="228594" indent="-228594">
-              <a:buFont typeface="Font Awesome 5 Free Solid" panose="02000503000000000000" pitchFamily="50" charset="2"/>
-              <a:buChar char=""/>
+              <a:buFont typeface="Arial" panose="020B0604020202020204" pitchFamily="34" charset="0"/>
+              <a:buChar char="•"/>
               <a:defRPr sz="1200"/>
             </a:lvl1pPr>
             <a:lvl2pPr marL="685783" indent="-228594">
-              <a:buFont typeface="Font Awesome 5 Free Solid" panose="02000503000000000000" pitchFamily="50" charset="2"/>
-              <a:buChar char=""/>
+              <a:buFont typeface="Courier New" panose="02070309020205020404" pitchFamily="49" charset="0"/>
+              <a:buChar char="o"/>
               <a:defRPr sz="1200"/>
             </a:lvl2pPr>
             <a:lvl3pPr marL="1142971" indent="-228594">
-              <a:buFont typeface="Font Awesome 5 Free Solid" panose="02000503000000000000" pitchFamily="50" charset="2"/>
-              <a:buChar char=""/>
+              <a:buFont typeface="Wingdings" panose="05000000000000000000" pitchFamily="2" charset="2"/>
+              <a:buChar char="§"/>
               <a:defRPr sz="1200"/>
             </a:lvl3pPr>
             <a:lvl4pPr>
@@ -15159,12 +15159,20 @@
             </a:lvl9pPr>
           </a:lstStyle>
           <a:p>
+            <a:pPr>
+              <a:buFont typeface="Arial" panose="020B0604020202020204" pitchFamily="34" charset="0"/>
+              <a:buChar char="•"/>
+            </a:pPr>
             <a:r>
               <a:rPr lang="de-AT" dirty="0"/>
               <a:t>Bei Laufzeitfehler, erzeugt JavaScript automatisch ein Objekt, das Details zum auftretenden Problem enthält</a:t>
             </a:r>
           </a:p>
           <a:p>
+            <a:pPr>
+              <a:buFont typeface="Arial" panose="020B0604020202020204" pitchFamily="34" charset="0"/>
+              <a:buChar char="•"/>
+            </a:pPr>
             <a:r>
               <a:rPr lang="de-AT" dirty="0"/>
               <a:t>Mit </a:t>
@@ -15181,6 +15189,10 @@
             </a:r>
           </a:p>
           <a:p>
+            <a:pPr>
+              <a:buFont typeface="Arial" panose="020B0604020202020204" pitchFamily="34" charset="0"/>
+              <a:buChar char="•"/>
+            </a:pPr>
             <a:r>
               <a:rPr lang="de-AT" dirty="0"/>
               <a:t>Attribute </a:t>
@@ -15197,6 +15209,10 @@
             </a:r>
           </a:p>
           <a:p>
+            <a:pPr>
+              <a:buFont typeface="Arial" panose="020B0604020202020204" pitchFamily="34" charset="0"/>
+              <a:buChar char="•"/>
+            </a:pPr>
             <a:r>
               <a:rPr lang="de-AT" dirty="0"/>
               <a:t>Attribut </a:t>
